--- a/Project_BOB_20210608.pptx
+++ b/Project_BOB_20210608.pptx
@@ -27,16 +27,16 @@
   <p:notesSz cx="6858000" cy="9144000"/>
   <p:embeddedFontLst>
     <p:embeddedFont>
-      <p:font typeface="나눔고딕코딩" panose="020D0009000000000000" pitchFamily="49" charset="-127"/>
-      <p:regular r:id="rId19"/>
-      <p:bold r:id="rId20"/>
+      <p:font typeface="나눔스퀘어 Bold" panose="020B0600000101010101" pitchFamily="50" charset="-127"/>
+      <p:bold r:id="rId19"/>
     </p:embeddedFont>
     <p:embeddedFont>
-      <p:font typeface="나눔스퀘어 Bold" panose="020B0600000101010101" pitchFamily="50" charset="-127"/>
+      <p:font typeface="맑은 고딕" panose="020B0503020000020004" pitchFamily="50" charset="-127"/>
+      <p:regular r:id="rId20"/>
       <p:bold r:id="rId21"/>
     </p:embeddedFont>
     <p:embeddedFont>
-      <p:font typeface="맑은 고딕" panose="020B0503020000020004" pitchFamily="50" charset="-127"/>
+      <p:font typeface="나눔고딕코딩" panose="020D0009000000000000" pitchFamily="49" charset="-127"/>
       <p:regular r:id="rId22"/>
       <p:bold r:id="rId23"/>
     </p:embeddedFont>
@@ -273,7 +273,7 @@
           <a:p>
             <a:fld id="{02629738-F1CA-43D1-989D-9504EC654FB4}" type="datetimeFigureOut">
               <a:rPr lang="ko-KR" altLang="en-US" smtClean="0"/>
-              <a:t>2021-06-09</a:t>
+              <a:t>2021-06-11</a:t>
             </a:fld>
             <a:endParaRPr lang="ko-KR" altLang="en-US" dirty="0"/>
           </a:p>
@@ -441,7 +441,7 @@
           <a:p>
             <a:fld id="{02629738-F1CA-43D1-989D-9504EC654FB4}" type="datetimeFigureOut">
               <a:rPr lang="ko-KR" altLang="en-US" smtClean="0"/>
-              <a:t>2021-06-09</a:t>
+              <a:t>2021-06-11</a:t>
             </a:fld>
             <a:endParaRPr lang="ko-KR" altLang="en-US" dirty="0"/>
           </a:p>
@@ -619,7 +619,7 @@
           <a:p>
             <a:fld id="{02629738-F1CA-43D1-989D-9504EC654FB4}" type="datetimeFigureOut">
               <a:rPr lang="ko-KR" altLang="en-US" smtClean="0"/>
-              <a:t>2021-06-09</a:t>
+              <a:t>2021-06-11</a:t>
             </a:fld>
             <a:endParaRPr lang="ko-KR" altLang="en-US" dirty="0"/>
           </a:p>
@@ -787,7 +787,7 @@
           <a:p>
             <a:fld id="{02629738-F1CA-43D1-989D-9504EC654FB4}" type="datetimeFigureOut">
               <a:rPr lang="ko-KR" altLang="en-US" smtClean="0"/>
-              <a:t>2021-06-09</a:t>
+              <a:t>2021-06-11</a:t>
             </a:fld>
             <a:endParaRPr lang="ko-KR" altLang="en-US" dirty="0"/>
           </a:p>
@@ -1032,7 +1032,7 @@
           <a:p>
             <a:fld id="{02629738-F1CA-43D1-989D-9504EC654FB4}" type="datetimeFigureOut">
               <a:rPr lang="ko-KR" altLang="en-US" smtClean="0"/>
-              <a:t>2021-06-09</a:t>
+              <a:t>2021-06-11</a:t>
             </a:fld>
             <a:endParaRPr lang="ko-KR" altLang="en-US" dirty="0"/>
           </a:p>
@@ -1261,7 +1261,7 @@
           <a:p>
             <a:fld id="{02629738-F1CA-43D1-989D-9504EC654FB4}" type="datetimeFigureOut">
               <a:rPr lang="ko-KR" altLang="en-US" smtClean="0"/>
-              <a:t>2021-06-09</a:t>
+              <a:t>2021-06-11</a:t>
             </a:fld>
             <a:endParaRPr lang="ko-KR" altLang="en-US" dirty="0"/>
           </a:p>
@@ -1625,7 +1625,7 @@
           <a:p>
             <a:fld id="{02629738-F1CA-43D1-989D-9504EC654FB4}" type="datetimeFigureOut">
               <a:rPr lang="ko-KR" altLang="en-US" smtClean="0"/>
-              <a:t>2021-06-09</a:t>
+              <a:t>2021-06-11</a:t>
             </a:fld>
             <a:endParaRPr lang="ko-KR" altLang="en-US" dirty="0"/>
           </a:p>
@@ -1742,7 +1742,7 @@
           <a:p>
             <a:fld id="{02629738-F1CA-43D1-989D-9504EC654FB4}" type="datetimeFigureOut">
               <a:rPr lang="ko-KR" altLang="en-US" smtClean="0"/>
-              <a:t>2021-06-09</a:t>
+              <a:t>2021-06-11</a:t>
             </a:fld>
             <a:endParaRPr lang="ko-KR" altLang="en-US" dirty="0"/>
           </a:p>
@@ -1837,7 +1837,7 @@
           <a:p>
             <a:fld id="{02629738-F1CA-43D1-989D-9504EC654FB4}" type="datetimeFigureOut">
               <a:rPr lang="ko-KR" altLang="en-US" smtClean="0"/>
-              <a:t>2021-06-09</a:t>
+              <a:t>2021-06-11</a:t>
             </a:fld>
             <a:endParaRPr lang="ko-KR" altLang="en-US" dirty="0"/>
           </a:p>
@@ -2112,7 +2112,7 @@
           <a:p>
             <a:fld id="{02629738-F1CA-43D1-989D-9504EC654FB4}" type="datetimeFigureOut">
               <a:rPr lang="ko-KR" altLang="en-US" smtClean="0"/>
-              <a:t>2021-06-09</a:t>
+              <a:t>2021-06-11</a:t>
             </a:fld>
             <a:endParaRPr lang="ko-KR" altLang="en-US" dirty="0"/>
           </a:p>
@@ -2364,7 +2364,7 @@
           <a:p>
             <a:fld id="{02629738-F1CA-43D1-989D-9504EC654FB4}" type="datetimeFigureOut">
               <a:rPr lang="ko-KR" altLang="en-US" smtClean="0"/>
-              <a:t>2021-06-09</a:t>
+              <a:t>2021-06-11</a:t>
             </a:fld>
             <a:endParaRPr lang="ko-KR" altLang="en-US" dirty="0"/>
           </a:p>
@@ -2575,7 +2575,7 @@
           <a:p>
             <a:fld id="{02629738-F1CA-43D1-989D-9504EC654FB4}" type="datetimeFigureOut">
               <a:rPr lang="ko-KR" altLang="en-US" smtClean="0"/>
-              <a:t>2021-06-09</a:t>
+              <a:t>2021-06-11</a:t>
             </a:fld>
             <a:endParaRPr lang="ko-KR" altLang="en-US" dirty="0"/>
           </a:p>
@@ -13321,7 +13321,7 @@
         </p:nvGraphicFramePr>
         <p:xfrm>
           <a:off x="818146" y="2008710"/>
-          <a:ext cx="10892590" cy="4233689"/>
+          <a:ext cx="10892590" cy="4291918"/>
         </p:xfrm>
         <a:graphic>
           <a:graphicData uri="http://schemas.openxmlformats.org/drawingml/2006/table">
@@ -18105,7 +18105,13 @@
           <p:cNvGraphicFramePr>
             <a:graphicFrameLocks noGrp="1"/>
           </p:cNvGraphicFramePr>
-          <p:nvPr/>
+          <p:nvPr>
+            <p:extLst>
+              <p:ext uri="{D42A27DB-BD31-4B8C-83A1-F6EECF244321}">
+                <p14:modId xmlns:p14="http://schemas.microsoft.com/office/powerpoint/2010/main" val="2000532604"/>
+              </p:ext>
+            </p:extLst>
+          </p:nvPr>
         </p:nvGraphicFramePr>
         <p:xfrm>
           <a:off x="449478" y="2148863"/>
@@ -18710,12 +18716,12 @@
                     <a:p>
                       <a:pPr algn="ctr" latinLnBrk="1"/>
                       <a:r>
-                        <a:rPr lang="en-US" altLang="ko-KR" sz="1600" dirty="0">
+                        <a:rPr lang="en-US" altLang="ko-KR" sz="1600" dirty="0" smtClean="0">
                           <a:solidFill>
                             <a:schemeClr val="tx1"/>
                           </a:solidFill>
                         </a:rPr>
-                        <a:t>VARCHAR(5)</a:t>
+                        <a:t>BOOLEAN</a:t>
                       </a:r>
                       <a:endParaRPr lang="ko-KR" altLang="en-US" sz="1600" dirty="0">
                         <a:solidFill>
@@ -19015,6 +19021,73 @@
               <a:latin typeface="나눔스퀘어 Bold" panose="020B0600000101010101" pitchFamily="50" charset="-127"/>
               <a:ea typeface="나눔스퀘어 Bold" panose="020B0600000101010101" pitchFamily="50" charset="-127"/>
             </a:endParaRPr>
+          </a:p>
+        </p:txBody>
+      </p:sp>
+      <p:sp>
+        <p:nvSpPr>
+          <p:cNvPr id="2" name="TextBox 1"/>
+          <p:cNvSpPr txBox="1"/>
+          <p:nvPr/>
+        </p:nvSpPr>
+        <p:spPr>
+          <a:xfrm>
+            <a:off x="2083777" y="4747846"/>
+            <a:ext cx="7854907" cy="1200329"/>
+          </a:xfrm>
+          <a:prstGeom prst="rect">
+            <a:avLst/>
+          </a:prstGeom>
+          <a:noFill/>
+        </p:spPr>
+        <p:txBody>
+          <a:bodyPr wrap="none" rtlCol="0">
+            <a:spAutoFit/>
+          </a:bodyPr>
+          <a:lstStyle/>
+          <a:p>
+            <a:r>
+              <a:rPr lang="ko-KR" altLang="en-US" dirty="0" smtClean="0"/>
+              <a:t>문자열 태그 형식으로 보관 </a:t>
+            </a:r>
+            <a:r>
+              <a:rPr lang="ko-KR" altLang="en-US" dirty="0" err="1" smtClean="0"/>
+              <a:t>땅땅땅</a:t>
+            </a:r>
+            <a:endParaRPr lang="en-US" altLang="ko-KR" dirty="0" smtClean="0"/>
+          </a:p>
+          <a:p>
+            <a:endParaRPr lang="en-US" altLang="ko-KR" dirty="0"/>
+          </a:p>
+          <a:p>
+            <a:r>
+              <a:rPr lang="ko-KR" altLang="en-US" dirty="0" smtClean="0"/>
+              <a:t>메뉴 월드컵을 하면 나올 것 같은 대표적인 메뉴를 보여주고</a:t>
+            </a:r>
+            <a:endParaRPr lang="en-US" altLang="ko-KR" dirty="0" smtClean="0"/>
+          </a:p>
+          <a:p>
+            <a:r>
+              <a:rPr lang="ko-KR" altLang="en-US" dirty="0" smtClean="0"/>
+              <a:t>사용자가 결정을 하면 그 메뉴의 주재료 태그를 </a:t>
+            </a:r>
+            <a:r>
+              <a:rPr lang="en-US" altLang="ko-KR" dirty="0" err="1" smtClean="0"/>
+              <a:t>User_Like</a:t>
+            </a:r>
+            <a:r>
+              <a:rPr lang="en-US" altLang="ko-KR" dirty="0" smtClean="0"/>
+              <a:t>-in~~ </a:t>
+            </a:r>
+            <a:r>
+              <a:rPr lang="ko-KR" altLang="en-US" dirty="0" smtClean="0"/>
+              <a:t>에 넣는다</a:t>
+            </a:r>
+            <a:r>
+              <a:rPr lang="en-US" altLang="ko-KR" dirty="0" smtClean="0"/>
+              <a:t>.</a:t>
+            </a:r>
+            <a:endParaRPr lang="ko-KR" altLang="en-US" dirty="0"/>
           </a:p>
         </p:txBody>
       </p:sp>
@@ -20469,7 +20542,7 @@
           <p:nvPr>
             <p:extLst>
               <p:ext uri="{D42A27DB-BD31-4B8C-83A1-F6EECF244321}">
-                <p14:modId xmlns:p14="http://schemas.microsoft.com/office/powerpoint/2010/main" val="1361296815"/>
+                <p14:modId xmlns:p14="http://schemas.microsoft.com/office/powerpoint/2010/main" val="3027329610"/>
               </p:ext>
             </p:extLst>
           </p:nvPr>
@@ -21746,6 +21819,88 @@
               <a:t>음식점 테이블</a:t>
             </a:r>
             <a:endParaRPr lang="en-US" altLang="ko-KR" sz="4000" dirty="0">
+              <a:latin typeface="나눔스퀘어 Bold" panose="020B0600000101010101" pitchFamily="50" charset="-127"/>
+              <a:ea typeface="나눔스퀘어 Bold" panose="020B0600000101010101" pitchFamily="50" charset="-127"/>
+            </a:endParaRPr>
+          </a:p>
+        </p:txBody>
+      </p:sp>
+      <p:sp>
+        <p:nvSpPr>
+          <p:cNvPr id="8" name="모서리가 둥근 직사각형 7"/>
+          <p:cNvSpPr/>
+          <p:nvPr/>
+        </p:nvSpPr>
+        <p:spPr>
+          <a:xfrm rot="20173713">
+            <a:off x="1390321" y="2861573"/>
+            <a:ext cx="10028691" cy="2267532"/>
+          </a:xfrm>
+          <a:prstGeom prst="roundRect">
+            <a:avLst/>
+          </a:prstGeom>
+          <a:noFill/>
+          <a:ln w="38100">
+            <a:solidFill>
+              <a:srgbClr val="FF0000"/>
+            </a:solidFill>
+          </a:ln>
+        </p:spPr>
+        <p:style>
+          <a:lnRef idx="2">
+            <a:schemeClr val="accent1">
+              <a:shade val="50000"/>
+            </a:schemeClr>
+          </a:lnRef>
+          <a:fillRef idx="1">
+            <a:schemeClr val="accent1"/>
+          </a:fillRef>
+          <a:effectRef idx="0">
+            <a:schemeClr val="accent1"/>
+          </a:effectRef>
+          <a:fontRef idx="minor">
+            <a:schemeClr val="lt1"/>
+          </a:fontRef>
+        </p:style>
+        <p:txBody>
+          <a:bodyPr rtlCol="0" anchor="ctr"/>
+          <a:lstStyle/>
+          <a:p>
+            <a:pPr algn="ctr"/>
+            <a:r>
+              <a:rPr lang="ko-KR" altLang="en-US" sz="11500" dirty="0" smtClean="0">
+                <a:solidFill>
+                  <a:srgbClr val="FF0000"/>
+                </a:solidFill>
+                <a:latin typeface="나눔스퀘어 Bold" panose="020B0600000101010101" pitchFamily="50" charset="-127"/>
+                <a:ea typeface="나눔스퀘어 Bold" panose="020B0600000101010101" pitchFamily="50" charset="-127"/>
+              </a:rPr>
+              <a:t>보류 처리</a:t>
+            </a:r>
+            <a:endParaRPr lang="en-US" altLang="ko-KR" sz="11500" dirty="0" smtClean="0">
+              <a:solidFill>
+                <a:srgbClr val="FF0000"/>
+              </a:solidFill>
+              <a:latin typeface="나눔스퀘어 Bold" panose="020B0600000101010101" pitchFamily="50" charset="-127"/>
+              <a:ea typeface="나눔스퀘어 Bold" panose="020B0600000101010101" pitchFamily="50" charset="-127"/>
+            </a:endParaRPr>
+          </a:p>
+          <a:p>
+            <a:pPr algn="ctr"/>
+            <a:r>
+              <a:rPr lang="en-US" altLang="ko-KR" sz="2000" dirty="0" smtClean="0">
+                <a:solidFill>
+                  <a:srgbClr val="FF0000"/>
+                </a:solidFill>
+                <a:latin typeface="나눔스퀘어 Bold" panose="020B0600000101010101" pitchFamily="50" charset="-127"/>
+                <a:ea typeface="나눔스퀘어 Bold" panose="020B0600000101010101" pitchFamily="50" charset="-127"/>
+              </a:rPr>
+              <a:t>2021.06.11</a:t>
+            </a:r>
+            <a:endParaRPr lang="ko-KR" altLang="en-US" sz="11500" dirty="0">
+              <a:solidFill>
+                <a:srgbClr val="FF0000"/>
+              </a:solidFill>
               <a:latin typeface="나눔스퀘어 Bold" panose="020B0600000101010101" pitchFamily="50" charset="-127"/>
               <a:ea typeface="나눔스퀘어 Bold" panose="020B0600000101010101" pitchFamily="50" charset="-127"/>
             </a:endParaRPr>
@@ -23062,6 +23217,43 @@
               <a:latin typeface="나눔스퀘어 Bold" panose="020B0600000101010101" pitchFamily="50" charset="-127"/>
               <a:ea typeface="나눔스퀘어 Bold" panose="020B0600000101010101" pitchFamily="50" charset="-127"/>
             </a:endParaRPr>
+          </a:p>
+        </p:txBody>
+      </p:sp>
+      <p:sp>
+        <p:nvSpPr>
+          <p:cNvPr id="8" name="TextBox 7"/>
+          <p:cNvSpPr txBox="1"/>
+          <p:nvPr/>
+        </p:nvSpPr>
+        <p:spPr>
+          <a:xfrm>
+            <a:off x="2224454" y="5521569"/>
+            <a:ext cx="3743332" cy="646331"/>
+          </a:xfrm>
+          <a:prstGeom prst="rect">
+            <a:avLst/>
+          </a:prstGeom>
+          <a:noFill/>
+        </p:spPr>
+        <p:txBody>
+          <a:bodyPr wrap="none" rtlCol="0">
+            <a:spAutoFit/>
+          </a:bodyPr>
+          <a:lstStyle/>
+          <a:p>
+            <a:r>
+              <a:rPr lang="ko-KR" altLang="en-US" dirty="0" smtClean="0"/>
+              <a:t>문자열 태그 형식으로 보관 </a:t>
+            </a:r>
+            <a:r>
+              <a:rPr lang="ko-KR" altLang="en-US" dirty="0" err="1" smtClean="0"/>
+              <a:t>땅땅땅</a:t>
+            </a:r>
+            <a:endParaRPr lang="en-US" altLang="ko-KR" dirty="0" smtClean="0"/>
+          </a:p>
+          <a:p>
+            <a:endParaRPr lang="en-US" altLang="ko-KR" dirty="0"/>
           </a:p>
         </p:txBody>
       </p:sp>
